--- a/01 Classes/Aula 06 RAD Python - Estrutura de Repetição While.pptx
+++ b/01 Classes/Aula 06 RAD Python - Estrutura de Repetição While.pptx
@@ -4743,7 +4743,7 @@
                 <a:latin typeface="Times New Roman" panose="02020603050405020304" pitchFamily="18" charset="0"/>
                 <a:cs typeface="Times New Roman" panose="02020603050405020304" pitchFamily="18" charset="0"/>
               </a:rPr>
-              <a:t>contador = 0;</a:t>
+              <a:t>contador = 0</a:t>
             </a:r>
           </a:p>
           <a:p>
@@ -4803,7 +4803,7 @@
                 <a:latin typeface="Times New Roman" panose="02020603050405020304" pitchFamily="18" charset="0"/>
                 <a:cs typeface="Times New Roman" panose="02020603050405020304" pitchFamily="18" charset="0"/>
               </a:rPr>
-              <a:t>(contador);</a:t>
+              <a:t>(contador)</a:t>
             </a:r>
           </a:p>
           <a:p>
@@ -4818,7 +4818,7 @@
                 <a:latin typeface="Times New Roman" panose="02020603050405020304" pitchFamily="18" charset="0"/>
                 <a:cs typeface="Times New Roman" panose="02020603050405020304" pitchFamily="18" charset="0"/>
               </a:rPr>
-              <a:t>	contador += 1;</a:t>
+              <a:t>	contador += 1</a:t>
             </a:r>
           </a:p>
         </p:txBody>
@@ -4960,21 +4960,15 @@
                 <a:cs typeface="Times New Roman" panose="02020603050405020304" pitchFamily="18" charset="0"/>
                 <a:hlinkClick r:id="rId3"/>
               </a:rPr>
-              <a:t>https://www.w3schools.com/python/python_variables.asp</a:t>
-            </a:r>
-            <a:endParaRPr lang="pt-BR" dirty="0">
-              <a:latin typeface="Times New Roman" panose="02020603050405020304" pitchFamily="18" charset="0"/>
-              <a:cs typeface="Times New Roman" panose="02020603050405020304" pitchFamily="18" charset="0"/>
-            </a:endParaRPr>
-          </a:p>
-          <a:p>
-            <a:pPr marL="0" indent="0" algn="just">
-              <a:buNone/>
-            </a:pPr>
-            <a:endParaRPr lang="pt-BR" dirty="0">
-              <a:latin typeface="Times New Roman" panose="02020603050405020304" pitchFamily="18" charset="0"/>
-              <a:cs typeface="Times New Roman" panose="02020603050405020304" pitchFamily="18" charset="0"/>
-            </a:endParaRPr>
+              <a:t>https://www.devmedia.com.br/python-estrutura-de-repeticao-while/38546</a:t>
+            </a:r>
+            <a:r>
+              <a:rPr lang="pt-BR" dirty="0">
+                <a:latin typeface="Times New Roman" panose="02020603050405020304" pitchFamily="18" charset="0"/>
+                <a:cs typeface="Times New Roman" panose="02020603050405020304" pitchFamily="18" charset="0"/>
+              </a:rPr>
+              <a:t> </a:t>
+            </a:r>
           </a:p>
           <a:p>
             <a:pPr marL="0" indent="0" algn="just">
@@ -5166,15 +5160,29 @@
                 <a:latin typeface="Times New Roman" panose="02020603050405020304" pitchFamily="18" charset="0"/>
                 <a:cs typeface="Times New Roman" panose="02020603050405020304" pitchFamily="18" charset="0"/>
               </a:rPr>
-              <a:t>[1] </a:t>
-            </a:r>
-            <a:r>
-              <a:rPr lang="pt-BR" sz="2000" dirty="0">
+              <a:t>[1</a:t>
+            </a:r>
+            <a:r>
+              <a:rPr lang="pt-BR" sz="2000">
+                <a:latin typeface="Times New Roman" panose="02020603050405020304" pitchFamily="18" charset="0"/>
+                <a:cs typeface="Times New Roman" panose="02020603050405020304" pitchFamily="18" charset="0"/>
+              </a:rPr>
+              <a:t>] </a:t>
+            </a:r>
+            <a:r>
+              <a:rPr lang="pt-BR" sz="2000">
                 <a:latin typeface="Times New Roman" panose="02020603050405020304" pitchFamily="18" charset="0"/>
                 <a:cs typeface="Times New Roman" panose="02020603050405020304" pitchFamily="18" charset="0"/>
                 <a:hlinkClick r:id="rId3"/>
               </a:rPr>
-              <a:t>https://www.programiz.com/python-programming/variables-constants-literals</a:t>
+              <a:t>https://youtu.be/LH6OIn2lBaI</a:t>
+            </a:r>
+            <a:r>
+              <a:rPr lang="pt-BR" sz="2000">
+                <a:latin typeface="Times New Roman" panose="02020603050405020304" pitchFamily="18" charset="0"/>
+                <a:cs typeface="Times New Roman" panose="02020603050405020304" pitchFamily="18" charset="0"/>
+              </a:rPr>
+              <a:t> </a:t>
             </a:r>
             <a:endParaRPr lang="pt-BR" sz="2000" dirty="0">
               <a:latin typeface="Times New Roman" panose="02020603050405020304" pitchFamily="18" charset="0"/>
@@ -5216,12 +5224,15 @@
                 <a:cs typeface="Times New Roman" panose="02020603050405020304" pitchFamily="18" charset="0"/>
                 <a:hlinkClick r:id="rId4"/>
               </a:rPr>
-              <a:t>https://www.programiz.com/python-programming/examples/swap-variables</a:t>
-            </a:r>
-            <a:endParaRPr lang="pt-BR" sz="2000" dirty="0">
-              <a:latin typeface="Times New Roman" panose="02020603050405020304" pitchFamily="18" charset="0"/>
-              <a:cs typeface="Times New Roman" panose="02020603050405020304" pitchFamily="18" charset="0"/>
-            </a:endParaRPr>
+              <a:t>https://www.devmedia.com.br/python-estrutura-de-repeticao-while/38546</a:t>
+            </a:r>
+            <a:r>
+              <a:rPr lang="pt-BR" sz="2000" dirty="0">
+                <a:latin typeface="Times New Roman" panose="02020603050405020304" pitchFamily="18" charset="0"/>
+                <a:cs typeface="Times New Roman" panose="02020603050405020304" pitchFamily="18" charset="0"/>
+              </a:rPr>
+              <a:t> </a:t>
+            </a:r>
           </a:p>
           <a:p>
             <a:pPr marL="0" indent="0" algn="just">
